--- a/Poster.pptx
+++ b/Poster.pptx
@@ -107,6 +107,22 @@
       </a:defRPr>
     </a:lvl9pPr>
   </p:defaultTextStyle>
+  <p:extLst>
+    <p:ext uri="{EFAFB233-063F-42B5-8137-9DF3F51BA10A}">
+      <p15:sldGuideLst xmlns:p15="http://schemas.microsoft.com/office/powerpoint/2012/main">
+        <p15:guide id="1" orient="horz" pos="6736">
+          <p15:clr>
+            <a:srgbClr val="A4A3A4"/>
+          </p15:clr>
+        </p15:guide>
+        <p15:guide id="2" pos="9537">
+          <p15:clr>
+            <a:srgbClr val="A4A3A4"/>
+          </p15:clr>
+        </p15:guide>
+      </p15:sldGuideLst>
+    </p:ext>
+  </p:extLst>
 </p:presentation>
 </file>
 
@@ -4047,13 +4063,13 @@
           <p:nvPr>
             <p:extLst>
               <p:ext uri="{D42A27DB-BD31-4B8C-83A1-F6EECF244321}">
-                <p14:modId xmlns:p14="http://schemas.microsoft.com/office/powerpoint/2010/main" val="1925515671"/>
+                <p14:modId xmlns:p14="http://schemas.microsoft.com/office/powerpoint/2010/main" val="2841676807"/>
               </p:ext>
             </p:extLst>
           </p:nvPr>
         </p:nvGraphicFramePr>
         <p:xfrm>
-          <a:off x="18307" y="8245128"/>
+          <a:off x="18307" y="8196312"/>
           <a:ext cx="7920000" cy="4873352"/>
         </p:xfrm>
         <a:graphic>
@@ -4558,13 +4574,13 @@
           <p:nvPr>
             <p:extLst>
               <p:ext uri="{D42A27DB-BD31-4B8C-83A1-F6EECF244321}">
-                <p14:modId xmlns:p14="http://schemas.microsoft.com/office/powerpoint/2010/main" val="1032591816"/>
+                <p14:modId xmlns:p14="http://schemas.microsoft.com/office/powerpoint/2010/main" val="2543408257"/>
               </p:ext>
             </p:extLst>
           </p:nvPr>
         </p:nvGraphicFramePr>
         <p:xfrm>
-          <a:off x="19187" y="13285688"/>
+          <a:off x="19187" y="13266403"/>
           <a:ext cx="7920000" cy="6139965"/>
         </p:xfrm>
         <a:graphic>
@@ -6101,7 +6117,7 @@
         </p:blipFill>
         <p:spPr>
           <a:xfrm>
-            <a:off x="17568000" y="11701512"/>
+            <a:off x="8101584" y="15407640"/>
             <a:ext cx="4560000" cy="3420000"/>
           </a:xfrm>
           <a:prstGeom prst="rect">
@@ -6191,7 +6207,7 @@
         </p:blipFill>
         <p:spPr>
           <a:xfrm>
-            <a:off x="8100000" y="15410304"/>
+            <a:off x="17565624" y="11704320"/>
             <a:ext cx="4560000" cy="3420000"/>
           </a:xfrm>
           <a:prstGeom prst="rect">

--- a/Poster.pptx
+++ b/Poster.pptx
@@ -6245,6 +6245,95 @@
           </a:prstGeom>
         </p:spPr>
       </p:pic>
+      <p:sp>
+        <p:nvSpPr>
+          <p:cNvPr id="6" name="TextBox 5"/>
+          <p:cNvSpPr txBox="1"/>
+          <p:nvPr/>
+        </p:nvSpPr>
+        <p:spPr>
+          <a:xfrm>
+            <a:off x="17588259" y="11753775"/>
+            <a:ext cx="801823" cy="307777"/>
+          </a:xfrm>
+          <a:prstGeom prst="rect">
+            <a:avLst/>
+          </a:prstGeom>
+          <a:noFill/>
+        </p:spPr>
+        <p:txBody>
+          <a:bodyPr wrap="none" rtlCol="0">
+            <a:spAutoFit/>
+          </a:bodyPr>
+          <a:lstStyle/>
+          <a:p>
+            <a:r>
+              <a:rPr lang="en-US" sz="1400" dirty="0" smtClean="0"/>
+              <a:t>Articles</a:t>
+            </a:r>
+            <a:endParaRPr lang="en-US" sz="1400" dirty="0"/>
+          </a:p>
+        </p:txBody>
+      </p:sp>
+      <p:sp>
+        <p:nvSpPr>
+          <p:cNvPr id="42" name="TextBox 41"/>
+          <p:cNvSpPr txBox="1"/>
+          <p:nvPr/>
+        </p:nvSpPr>
+        <p:spPr>
+          <a:xfrm>
+            <a:off x="12835731" y="11701512"/>
+            <a:ext cx="1069524" cy="307777"/>
+          </a:xfrm>
+          <a:prstGeom prst="rect">
+            <a:avLst/>
+          </a:prstGeom>
+          <a:noFill/>
+        </p:spPr>
+        <p:txBody>
+          <a:bodyPr wrap="none" rtlCol="0">
+            <a:spAutoFit/>
+          </a:bodyPr>
+          <a:lstStyle/>
+          <a:p>
+            <a:r>
+              <a:rPr lang="en-US" sz="1400" dirty="0" err="1" smtClean="0"/>
+              <a:t>Newsblogs</a:t>
+            </a:r>
+            <a:endParaRPr lang="en-US" sz="1400" dirty="0" smtClean="0"/>
+          </a:p>
+        </p:txBody>
+      </p:sp>
+      <p:sp>
+        <p:nvSpPr>
+          <p:cNvPr id="43" name="TextBox 42"/>
+          <p:cNvSpPr txBox="1"/>
+          <p:nvPr/>
+        </p:nvSpPr>
+        <p:spPr>
+          <a:xfrm>
+            <a:off x="8083203" y="11702812"/>
+            <a:ext cx="1002326" cy="307777"/>
+          </a:xfrm>
+          <a:prstGeom prst="rect">
+            <a:avLst/>
+          </a:prstGeom>
+          <a:noFill/>
+        </p:spPr>
+        <p:txBody>
+          <a:bodyPr wrap="none" rtlCol="0">
+            <a:spAutoFit/>
+          </a:bodyPr>
+          <a:lstStyle/>
+          <a:p>
+            <a:r>
+              <a:rPr lang="en-US" sz="1400" dirty="0" smtClean="0"/>
+              <a:t>Telegrams</a:t>
+            </a:r>
+          </a:p>
+        </p:txBody>
+      </p:sp>
     </p:spTree>
     <p:extLst>
       <p:ext uri="{BB962C8B-B14F-4D97-AF65-F5344CB8AC3E}">
